--- a/Session5_Shen/R4PMX_session5.pptx
+++ b/Session5_Shen/R4PMX_session5.pptx
@@ -262,7 +262,7 @@
           <a:p>
             <a:fld id="{E49BC788-12E8-EA45-AFF6-D7105FEB6376}" type="datetimeFigureOut">
               <a:rPr lang="en-US" smtClean="0"/>
-              <a:t>8/9/21</a:t>
+              <a:t>8/13/21</a:t>
             </a:fld>
             <a:endParaRPr lang="en-US"/>
           </a:p>
@@ -460,7 +460,7 @@
           <a:p>
             <a:fld id="{E49BC788-12E8-EA45-AFF6-D7105FEB6376}" type="datetimeFigureOut">
               <a:rPr lang="en-US" smtClean="0"/>
-              <a:t>8/9/21</a:t>
+              <a:t>8/13/21</a:t>
             </a:fld>
             <a:endParaRPr lang="en-US"/>
           </a:p>
@@ -668,7 +668,7 @@
           <a:p>
             <a:fld id="{E49BC788-12E8-EA45-AFF6-D7105FEB6376}" type="datetimeFigureOut">
               <a:rPr lang="en-US" smtClean="0"/>
-              <a:t>8/9/21</a:t>
+              <a:t>8/13/21</a:t>
             </a:fld>
             <a:endParaRPr lang="en-US"/>
           </a:p>
@@ -866,7 +866,7 @@
           <a:p>
             <a:fld id="{E49BC788-12E8-EA45-AFF6-D7105FEB6376}" type="datetimeFigureOut">
               <a:rPr lang="en-US" smtClean="0"/>
-              <a:t>8/9/21</a:t>
+              <a:t>8/13/21</a:t>
             </a:fld>
             <a:endParaRPr lang="en-US"/>
           </a:p>
@@ -1141,7 +1141,7 @@
           <a:p>
             <a:fld id="{E49BC788-12E8-EA45-AFF6-D7105FEB6376}" type="datetimeFigureOut">
               <a:rPr lang="en-US" smtClean="0"/>
-              <a:t>8/9/21</a:t>
+              <a:t>8/13/21</a:t>
             </a:fld>
             <a:endParaRPr lang="en-US"/>
           </a:p>
@@ -1406,7 +1406,7 @@
           <a:p>
             <a:fld id="{E49BC788-12E8-EA45-AFF6-D7105FEB6376}" type="datetimeFigureOut">
               <a:rPr lang="en-US" smtClean="0"/>
-              <a:t>8/9/21</a:t>
+              <a:t>8/13/21</a:t>
             </a:fld>
             <a:endParaRPr lang="en-US"/>
           </a:p>
@@ -1818,7 +1818,7 @@
           <a:p>
             <a:fld id="{E49BC788-12E8-EA45-AFF6-D7105FEB6376}" type="datetimeFigureOut">
               <a:rPr lang="en-US" smtClean="0"/>
-              <a:t>8/9/21</a:t>
+              <a:t>8/13/21</a:t>
             </a:fld>
             <a:endParaRPr lang="en-US"/>
           </a:p>
@@ -1959,7 +1959,7 @@
           <a:p>
             <a:fld id="{E49BC788-12E8-EA45-AFF6-D7105FEB6376}" type="datetimeFigureOut">
               <a:rPr lang="en-US" smtClean="0"/>
-              <a:t>8/9/21</a:t>
+              <a:t>8/13/21</a:t>
             </a:fld>
             <a:endParaRPr lang="en-US"/>
           </a:p>
@@ -2072,7 +2072,7 @@
           <a:p>
             <a:fld id="{E49BC788-12E8-EA45-AFF6-D7105FEB6376}" type="datetimeFigureOut">
               <a:rPr lang="en-US" smtClean="0"/>
-              <a:t>8/9/21</a:t>
+              <a:t>8/13/21</a:t>
             </a:fld>
             <a:endParaRPr lang="en-US"/>
           </a:p>
@@ -2383,7 +2383,7 @@
           <a:p>
             <a:fld id="{E49BC788-12E8-EA45-AFF6-D7105FEB6376}" type="datetimeFigureOut">
               <a:rPr lang="en-US" smtClean="0"/>
-              <a:t>8/9/21</a:t>
+              <a:t>8/13/21</a:t>
             </a:fld>
             <a:endParaRPr lang="en-US"/>
           </a:p>
@@ -2671,7 +2671,7 @@
           <a:p>
             <a:fld id="{E49BC788-12E8-EA45-AFF6-D7105FEB6376}" type="datetimeFigureOut">
               <a:rPr lang="en-US" smtClean="0"/>
-              <a:t>8/9/21</a:t>
+              <a:t>8/13/21</a:t>
             </a:fld>
             <a:endParaRPr lang="en-US"/>
           </a:p>
@@ -2912,7 +2912,7 @@
           <a:p>
             <a:fld id="{E49BC788-12E8-EA45-AFF6-D7105FEB6376}" type="datetimeFigureOut">
               <a:rPr lang="en-US" smtClean="0"/>
-              <a:t>8/9/21</a:t>
+              <a:t>8/13/21</a:t>
             </a:fld>
             <a:endParaRPr lang="en-US"/>
           </a:p>
@@ -3378,6 +3378,9 @@
             </a:pPr>
             <a:r>
               <a:rPr lang="en-US" dirty="0">
+                <a:solidFill>
+                  <a:srgbClr val="FF0000"/>
+                </a:solidFill>
                 <a:latin typeface="Times New Roman" panose="02020603050405020304" pitchFamily="18" charset="0"/>
                 <a:cs typeface="Times New Roman" panose="02020603050405020304" pitchFamily="18" charset="0"/>
               </a:rPr>
@@ -3391,6 +3394,9 @@
             </a:pPr>
             <a:r>
               <a:rPr lang="en-US" dirty="0">
+                <a:solidFill>
+                  <a:srgbClr val="FF0000"/>
+                </a:solidFill>
                 <a:latin typeface="Times New Roman" panose="02020603050405020304" pitchFamily="18" charset="0"/>
                 <a:cs typeface="Times New Roman" panose="02020603050405020304" pitchFamily="18" charset="0"/>
               </a:rPr>
@@ -3404,6 +3410,9 @@
             </a:pPr>
             <a:r>
               <a:rPr lang="en-US" dirty="0">
+                <a:solidFill>
+                  <a:srgbClr val="FF0000"/>
+                </a:solidFill>
                 <a:latin typeface="Times New Roman" panose="02020603050405020304" pitchFamily="18" charset="0"/>
                 <a:cs typeface="Times New Roman" panose="02020603050405020304" pitchFamily="18" charset="0"/>
               </a:rPr>
@@ -3417,6 +3426,9 @@
             </a:pPr>
             <a:r>
               <a:rPr lang="en-US" dirty="0">
+                <a:solidFill>
+                  <a:srgbClr val="FF0000"/>
+                </a:solidFill>
                 <a:latin typeface="Times New Roman" panose="02020603050405020304" pitchFamily="18" charset="0"/>
                 <a:cs typeface="Times New Roman" panose="02020603050405020304" pitchFamily="18" charset="0"/>
               </a:rPr>
@@ -3424,6 +3436,9 @@
             </a:r>
             <a:r>
               <a:rPr lang="en-US" dirty="0" err="1">
+                <a:solidFill>
+                  <a:srgbClr val="FF0000"/>
+                </a:solidFill>
                 <a:latin typeface="Times New Roman" panose="02020603050405020304" pitchFamily="18" charset="0"/>
                 <a:cs typeface="Times New Roman" panose="02020603050405020304" pitchFamily="18" charset="0"/>
               </a:rPr>
@@ -3431,6 +3446,9 @@
             </a:r>
             <a:r>
               <a:rPr lang="en-US" dirty="0">
+                <a:solidFill>
+                  <a:srgbClr val="FF0000"/>
+                </a:solidFill>
                 <a:latin typeface="Times New Roman" panose="02020603050405020304" pitchFamily="18" charset="0"/>
                 <a:cs typeface="Times New Roman" panose="02020603050405020304" pitchFamily="18" charset="0"/>
               </a:rPr>
